--- a/DirectX 2D/DX2D_BabaIsYou Potfolio 22.10.17/BabaIsYou 기술문서.pptx
+++ b/DirectX 2D/DX2D_BabaIsYou Potfolio 22.10.17/BabaIsYou 기술문서.pptx
@@ -819,7 +819,7 @@
   <p:cSld>
     <p:spTree>
       <p:nvGrpSpPr>
-        <p:cNvPr id="220" name="Shape 220"/>
+        <p:cNvPr id="224" name="Shape 224"/>
         <p:cNvGrpSpPr/>
         <p:nvPr/>
       </p:nvGrpSpPr>
@@ -833,7 +833,7 @@
       </p:grpSpPr>
       <p:sp>
         <p:nvSpPr>
-          <p:cNvPr id="221" name="Google Shape;221;g1923bed7170_4_4:notes"/>
+          <p:cNvPr id="225" name="Google Shape;225;g1923bed7170_4_4:notes"/>
           <p:cNvSpPr/>
           <p:nvPr>
             <p:ph idx="2" type="sldImg"/>
@@ -868,7 +868,7 @@
       </p:sp>
       <p:sp>
         <p:nvSpPr>
-          <p:cNvPr id="222" name="Google Shape;222;g1923bed7170_4_4:notes"/>
+          <p:cNvPr id="226" name="Google Shape;226;g1923bed7170_4_4:notes"/>
           <p:cNvSpPr txBox="1"/>
           <p:nvPr>
             <p:ph idx="1" type="body"/>
@@ -1413,7 +1413,7 @@
   <p:cSld>
     <p:spTree>
       <p:nvGrpSpPr>
-        <p:cNvPr id="137" name="Shape 137"/>
+        <p:cNvPr id="141" name="Shape 141"/>
         <p:cNvGrpSpPr/>
         <p:nvPr/>
       </p:nvGrpSpPr>
@@ -1427,7 +1427,7 @@
       </p:grpSpPr>
       <p:sp>
         <p:nvSpPr>
-          <p:cNvPr id="138" name="Google Shape;138;g18c0816af82_25_6:notes"/>
+          <p:cNvPr id="142" name="Google Shape;142;g18c0816af82_25_6:notes"/>
           <p:cNvSpPr/>
           <p:nvPr>
             <p:ph idx="2" type="sldImg"/>
@@ -1462,7 +1462,7 @@
       </p:sp>
       <p:sp>
         <p:nvSpPr>
-          <p:cNvPr id="139" name="Google Shape;139;g18c0816af82_25_6:notes"/>
+          <p:cNvPr id="143" name="Google Shape;143;g18c0816af82_25_6:notes"/>
           <p:cNvSpPr txBox="1"/>
           <p:nvPr>
             <p:ph idx="1" type="body"/>
@@ -1512,7 +1512,7 @@
   <p:cSld>
     <p:spTree>
       <p:nvGrpSpPr>
-        <p:cNvPr id="165" name="Shape 165"/>
+        <p:cNvPr id="169" name="Shape 169"/>
         <p:cNvGrpSpPr/>
         <p:nvPr/>
       </p:nvGrpSpPr>
@@ -1526,7 +1526,7 @@
       </p:grpSpPr>
       <p:sp>
         <p:nvSpPr>
-          <p:cNvPr id="166" name="Google Shape;166;g18c0816af82_27_48:notes"/>
+          <p:cNvPr id="170" name="Google Shape;170;g18c0816af82_27_48:notes"/>
           <p:cNvSpPr/>
           <p:nvPr>
             <p:ph idx="2" type="sldImg"/>
@@ -1561,7 +1561,7 @@
       </p:sp>
       <p:sp>
         <p:nvSpPr>
-          <p:cNvPr id="167" name="Google Shape;167;g18c0816af82_27_48:notes"/>
+          <p:cNvPr id="171" name="Google Shape;171;g18c0816af82_27_48:notes"/>
           <p:cNvSpPr txBox="1"/>
           <p:nvPr>
             <p:ph idx="1" type="body"/>
@@ -1611,7 +1611,7 @@
   <p:cSld>
     <p:spTree>
       <p:nvGrpSpPr>
-        <p:cNvPr id="199" name="Shape 199"/>
+        <p:cNvPr id="203" name="Shape 203"/>
         <p:cNvGrpSpPr/>
         <p:nvPr/>
       </p:nvGrpSpPr>
@@ -1625,7 +1625,7 @@
       </p:grpSpPr>
       <p:sp>
         <p:nvSpPr>
-          <p:cNvPr id="200" name="Google Shape;200;g1923bed7170_3_76:notes"/>
+          <p:cNvPr id="204" name="Google Shape;204;g1923bed7170_3_76:notes"/>
           <p:cNvSpPr/>
           <p:nvPr>
             <p:ph idx="2" type="sldImg"/>
@@ -1660,7 +1660,7 @@
       </p:sp>
       <p:sp>
         <p:nvSpPr>
-          <p:cNvPr id="201" name="Google Shape;201;g1923bed7170_3_76:notes"/>
+          <p:cNvPr id="205" name="Google Shape;205;g1923bed7170_3_76:notes"/>
           <p:cNvSpPr txBox="1"/>
           <p:nvPr>
             <p:ph idx="1" type="body"/>
@@ -6533,7 +6533,7 @@
   <p:cSld>
     <p:spTree>
       <p:nvGrpSpPr>
-        <p:cNvPr id="223" name="Shape 223"/>
+        <p:cNvPr id="227" name="Shape 227"/>
         <p:cNvGrpSpPr/>
         <p:nvPr/>
       </p:nvGrpSpPr>
@@ -6547,7 +6547,7 @@
       </p:grpSpPr>
       <p:sp>
         <p:nvSpPr>
-          <p:cNvPr id="224" name="Google Shape;224;p22"/>
+          <p:cNvPr id="228" name="Google Shape;228;p22"/>
           <p:cNvSpPr txBox="1"/>
           <p:nvPr/>
         </p:nvSpPr>
@@ -6605,7 +6605,7 @@
       </p:sp>
       <p:sp>
         <p:nvSpPr>
-          <p:cNvPr id="225" name="Google Shape;225;p22"/>
+          <p:cNvPr id="229" name="Google Shape;229;p22"/>
           <p:cNvSpPr txBox="1"/>
           <p:nvPr/>
         </p:nvSpPr>
@@ -7148,7 +7148,7 @@
             <a:tbl>
               <a:tblPr>
                 <a:noFill/>
-                <a:tableStyleId>{17EDEAFC-F8C8-4B08-A012-3238E46F9B45}</a:tableStyleId>
+                <a:tableStyleId>{B17FEDBC-5062-4D03-8702-4569AB8F86E1}</a:tableStyleId>
               </a:tblPr>
               <a:tblGrid>
                 <a:gridCol w="1191600"/>
@@ -10968,8 +10968,8 @@
         </p:blipFill>
         <p:spPr>
           <a:xfrm>
-            <a:off x="710148" y="1030375"/>
-            <a:ext cx="7089000" cy="619650"/>
+            <a:off x="596025" y="1030375"/>
+            <a:ext cx="8223200" cy="619650"/>
           </a:xfrm>
           <a:prstGeom prst="rect">
             <a:avLst/>
@@ -10994,8 +10994,8 @@
         </p:nvSpPr>
         <p:spPr>
           <a:xfrm>
-            <a:off x="710148" y="1726225"/>
-            <a:ext cx="7089000" cy="717900"/>
+            <a:off x="596025" y="1726225"/>
+            <a:ext cx="8223000" cy="717900"/>
           </a:xfrm>
           <a:prstGeom prst="rect">
             <a:avLst/>
@@ -11155,8 +11155,8 @@
         </p:blipFill>
         <p:spPr>
           <a:xfrm>
-            <a:off x="3990129" y="3073981"/>
-            <a:ext cx="1956470" cy="1504069"/>
+            <a:off x="4532486" y="2802910"/>
+            <a:ext cx="2674450" cy="2056025"/>
           </a:xfrm>
           <a:prstGeom prst="rect">
             <a:avLst/>
@@ -11181,7 +11181,7 @@
         </p:nvSpPr>
         <p:spPr>
           <a:xfrm rot="-812">
-            <a:off x="3865854" y="2793780"/>
+            <a:off x="4432759" y="2520483"/>
             <a:ext cx="1269900" cy="323100"/>
           </a:xfrm>
           <a:prstGeom prst="rect">
@@ -11289,53 +11289,23 @@
           </a:p>
         </p:txBody>
       </p:sp>
-      <p:cxnSp>
-        <p:nvCxnSpPr>
-          <p:cNvPr id="132" name="Google Shape;132;p18"/>
-          <p:cNvCxnSpPr>
-            <a:stCxn id="129" idx="3"/>
-            <a:endCxn id="133" idx="1"/>
-          </p:cNvCxnSpPr>
-          <p:nvPr/>
-        </p:nvCxnSpPr>
-        <p:spPr>
-          <a:xfrm>
-            <a:off x="5946598" y="3826015"/>
-            <a:ext cx="738300" cy="0"/>
-          </a:xfrm>
-          <a:prstGeom prst="straightConnector1">
-            <a:avLst/>
-          </a:prstGeom>
-          <a:noFill/>
-          <a:ln cap="flat" cmpd="sng" w="19050">
-            <a:solidFill>
-              <a:schemeClr val="dk1"/>
-            </a:solidFill>
-            <a:prstDash val="solid"/>
-            <a:round/>
-            <a:headEnd len="med" w="med" type="none"/>
-            <a:tailEnd len="med" w="med" type="triangle"/>
-          </a:ln>
-        </p:spPr>
-      </p:cxnSp>
       <p:pic>
         <p:nvPicPr>
-          <p:cNvPr id="133" name="Google Shape;133;p18"/>
+          <p:cNvPr id="132" name="Google Shape;132;p18"/>
           <p:cNvPicPr preferRelativeResize="0"/>
           <p:nvPr/>
         </p:nvPicPr>
-        <p:blipFill>
+        <p:blipFill rotWithShape="1">
           <a:blip r:embed="rId5">
             <a:alphaModFix/>
           </a:blip>
-          <a:stretch>
-            <a:fillRect/>
-          </a:stretch>
+          <a:srcRect b="36616" l="0" r="8307" t="0"/>
+          <a:stretch/>
         </p:blipFill>
         <p:spPr>
           <a:xfrm>
-            <a:off x="6684821" y="2639225"/>
-            <a:ext cx="2145712" cy="2373575"/>
+            <a:off x="596025" y="2802900"/>
+            <a:ext cx="3701150" cy="2056025"/>
           </a:xfrm>
           <a:prstGeom prst="rect">
             <a:avLst/>
@@ -11352,48 +11322,15 @@
           </a:ln>
         </p:spPr>
       </p:pic>
-      <p:pic>
-        <p:nvPicPr>
-          <p:cNvPr id="134" name="Google Shape;134;p18"/>
-          <p:cNvPicPr preferRelativeResize="0"/>
-          <p:nvPr/>
-        </p:nvPicPr>
-        <p:blipFill rotWithShape="1">
-          <a:blip r:embed="rId6">
-            <a:alphaModFix/>
-          </a:blip>
-          <a:srcRect b="36616" l="0" r="0" t="0"/>
-          <a:stretch/>
-        </p:blipFill>
-        <p:spPr>
-          <a:xfrm>
-            <a:off x="642825" y="3016750"/>
-            <a:ext cx="3152700" cy="1605900"/>
-          </a:xfrm>
-          <a:prstGeom prst="rect">
-            <a:avLst/>
-          </a:prstGeom>
-          <a:noFill/>
-          <a:ln cap="flat" cmpd="sng" w="19050">
-            <a:solidFill>
-              <a:schemeClr val="dk1"/>
-            </a:solidFill>
-            <a:prstDash val="solid"/>
-            <a:round/>
-            <a:headEnd len="sm" w="sm" type="none"/>
-            <a:tailEnd len="sm" w="sm" type="none"/>
-          </a:ln>
-        </p:spPr>
-      </p:pic>
       <p:sp>
         <p:nvSpPr>
-          <p:cNvPr id="135" name="Google Shape;135;p18"/>
+          <p:cNvPr id="133" name="Google Shape;133;p18"/>
           <p:cNvSpPr txBox="1"/>
           <p:nvPr/>
         </p:nvSpPr>
         <p:spPr>
           <a:xfrm rot="-1041">
-            <a:off x="538634" y="2726127"/>
+            <a:off x="502096" y="2520614"/>
             <a:ext cx="1981500" cy="323100"/>
           </a:xfrm>
           <a:prstGeom prst="rect">
@@ -11445,14 +11382,14 @@
       </p:sp>
       <p:sp>
         <p:nvSpPr>
-          <p:cNvPr id="136" name="Google Shape;136;p18"/>
+          <p:cNvPr id="134" name="Google Shape;134;p18"/>
           <p:cNvSpPr txBox="1"/>
           <p:nvPr/>
         </p:nvSpPr>
         <p:spPr>
-          <a:xfrm rot="-812">
-            <a:off x="6059270" y="3559603"/>
-            <a:ext cx="1269900" cy="323100"/>
+          <a:xfrm rot="-749">
+            <a:off x="7442375" y="2648004"/>
+            <a:ext cx="1376700" cy="323100"/>
           </a:xfrm>
           <a:prstGeom prst="rect">
             <a:avLst/>
@@ -11468,7 +11405,7 @@
           </a:bodyPr>
           <a:lstStyle/>
           <a:p>
-            <a:pPr indent="0" lvl="0" marL="0" rtl="0" algn="l">
+            <a:pPr indent="0" lvl="0" marL="0" rtl="0" algn="ctr">
               <a:spcBef>
                 <a:spcPts val="0"/>
               </a:spcBef>
@@ -11487,7 +11424,7 @@
                 <a:cs typeface="Malgun Gothic"/>
                 <a:sym typeface="Malgun Gothic"/>
               </a:rPr>
-              <a:t>상속</a:t>
+              <a:t>Action 자식클래스</a:t>
             </a:r>
             <a:endParaRPr b="1" sz="900">
               <a:solidFill>
@@ -11501,6 +11438,364 @@
           </a:p>
         </p:txBody>
       </p:sp>
+      <p:sp>
+        <p:nvSpPr>
+          <p:cNvPr id="135" name="Google Shape;135;p18"/>
+          <p:cNvSpPr/>
+          <p:nvPr/>
+        </p:nvSpPr>
+        <p:spPr>
+          <a:xfrm>
+            <a:off x="7442225" y="2928533"/>
+            <a:ext cx="1373400" cy="388500"/>
+          </a:xfrm>
+          <a:prstGeom prst="rect">
+            <a:avLst/>
+          </a:prstGeom>
+          <a:solidFill>
+            <a:schemeClr val="dk2"/>
+          </a:solidFill>
+          <a:ln cap="flat" cmpd="sng" w="19050">
+            <a:solidFill>
+              <a:schemeClr val="dk1"/>
+            </a:solidFill>
+            <a:prstDash val="solid"/>
+            <a:round/>
+            <a:headEnd len="sm" w="sm" type="none"/>
+            <a:tailEnd len="sm" w="sm" type="none"/>
+          </a:ln>
+        </p:spPr>
+        <p:txBody>
+          <a:bodyPr anchorCtr="0" anchor="ctr" bIns="91425" lIns="91425" spcFirstLastPara="1" rIns="91425" wrap="square" tIns="91425">
+            <a:noAutofit/>
+          </a:bodyPr>
+          <a:lstStyle/>
+          <a:p>
+            <a:pPr indent="0" lvl="0" marL="0" rtl="0" algn="ctr">
+              <a:spcBef>
+                <a:spcPts val="0"/>
+              </a:spcBef>
+              <a:spcAft>
+                <a:spcPts val="0"/>
+              </a:spcAft>
+              <a:buNone/>
+            </a:pPr>
+            <a:r>
+              <a:rPr lang="ko">
+                <a:solidFill>
+                  <a:schemeClr val="dk1"/>
+                </a:solidFill>
+                <a:latin typeface="Malgun Gothic"/>
+                <a:ea typeface="Malgun Gothic"/>
+                <a:cs typeface="Malgun Gothic"/>
+                <a:sym typeface="Malgun Gothic"/>
+              </a:rPr>
+              <a:t>Move</a:t>
+            </a:r>
+            <a:endParaRPr>
+              <a:solidFill>
+                <a:schemeClr val="dk1"/>
+              </a:solidFill>
+              <a:latin typeface="Malgun Gothic"/>
+              <a:ea typeface="Malgun Gothic"/>
+              <a:cs typeface="Malgun Gothic"/>
+              <a:sym typeface="Malgun Gothic"/>
+            </a:endParaRPr>
+          </a:p>
+        </p:txBody>
+      </p:sp>
+      <p:sp>
+        <p:nvSpPr>
+          <p:cNvPr id="136" name="Google Shape;136;p18"/>
+          <p:cNvSpPr/>
+          <p:nvPr/>
+        </p:nvSpPr>
+        <p:spPr>
+          <a:xfrm>
+            <a:off x="7442225" y="4469545"/>
+            <a:ext cx="1373400" cy="388500"/>
+          </a:xfrm>
+          <a:prstGeom prst="rect">
+            <a:avLst/>
+          </a:prstGeom>
+          <a:solidFill>
+            <a:schemeClr val="dk2"/>
+          </a:solidFill>
+          <a:ln cap="flat" cmpd="sng" w="19050">
+            <a:solidFill>
+              <a:schemeClr val="dk1"/>
+            </a:solidFill>
+            <a:prstDash val="solid"/>
+            <a:round/>
+            <a:headEnd len="sm" w="sm" type="none"/>
+            <a:tailEnd len="sm" w="sm" type="none"/>
+          </a:ln>
+        </p:spPr>
+        <p:txBody>
+          <a:bodyPr anchorCtr="0" anchor="ctr" bIns="91425" lIns="91425" spcFirstLastPara="1" rIns="91425" wrap="square" tIns="91425">
+            <a:noAutofit/>
+          </a:bodyPr>
+          <a:lstStyle/>
+          <a:p>
+            <a:pPr indent="0" lvl="0" marL="0" rtl="0" algn="ctr">
+              <a:spcBef>
+                <a:spcPts val="0"/>
+              </a:spcBef>
+              <a:spcAft>
+                <a:spcPts val="0"/>
+              </a:spcAft>
+              <a:buNone/>
+            </a:pPr>
+            <a:r>
+              <a:rPr lang="ko">
+                <a:solidFill>
+                  <a:schemeClr val="dk1"/>
+                </a:solidFill>
+                <a:latin typeface="Malgun Gothic"/>
+                <a:ea typeface="Malgun Gothic"/>
+                <a:cs typeface="Malgun Gothic"/>
+                <a:sym typeface="Malgun Gothic"/>
+              </a:rPr>
+              <a:t>Hot</a:t>
+            </a:r>
+            <a:endParaRPr>
+              <a:solidFill>
+                <a:schemeClr val="dk1"/>
+              </a:solidFill>
+              <a:latin typeface="Malgun Gothic"/>
+              <a:ea typeface="Malgun Gothic"/>
+              <a:cs typeface="Malgun Gothic"/>
+              <a:sym typeface="Malgun Gothic"/>
+            </a:endParaRPr>
+          </a:p>
+        </p:txBody>
+      </p:sp>
+      <p:sp>
+        <p:nvSpPr>
+          <p:cNvPr id="137" name="Google Shape;137;p18"/>
+          <p:cNvSpPr/>
+          <p:nvPr/>
+        </p:nvSpPr>
+        <p:spPr>
+          <a:xfrm>
+            <a:off x="7442225" y="3317120"/>
+            <a:ext cx="1373400" cy="388500"/>
+          </a:xfrm>
+          <a:prstGeom prst="rect">
+            <a:avLst/>
+          </a:prstGeom>
+          <a:solidFill>
+            <a:schemeClr val="dk2"/>
+          </a:solidFill>
+          <a:ln cap="flat" cmpd="sng" w="19050">
+            <a:solidFill>
+              <a:schemeClr val="dk1"/>
+            </a:solidFill>
+            <a:prstDash val="solid"/>
+            <a:round/>
+            <a:headEnd len="sm" w="sm" type="none"/>
+            <a:tailEnd len="sm" w="sm" type="none"/>
+          </a:ln>
+        </p:spPr>
+        <p:txBody>
+          <a:bodyPr anchorCtr="0" anchor="ctr" bIns="91425" lIns="91425" spcFirstLastPara="1" rIns="91425" wrap="square" tIns="91425">
+            <a:noAutofit/>
+          </a:bodyPr>
+          <a:lstStyle/>
+          <a:p>
+            <a:pPr indent="0" lvl="0" marL="0" rtl="0" algn="ctr">
+              <a:spcBef>
+                <a:spcPts val="0"/>
+              </a:spcBef>
+              <a:spcAft>
+                <a:spcPts val="0"/>
+              </a:spcAft>
+              <a:buNone/>
+            </a:pPr>
+            <a:r>
+              <a:rPr lang="ko">
+                <a:solidFill>
+                  <a:schemeClr val="dk1"/>
+                </a:solidFill>
+                <a:latin typeface="Malgun Gothic"/>
+                <a:ea typeface="Malgun Gothic"/>
+                <a:cs typeface="Malgun Gothic"/>
+                <a:sym typeface="Malgun Gothic"/>
+              </a:rPr>
+              <a:t>Win</a:t>
+            </a:r>
+            <a:endParaRPr>
+              <a:solidFill>
+                <a:schemeClr val="dk1"/>
+              </a:solidFill>
+              <a:latin typeface="Malgun Gothic"/>
+              <a:ea typeface="Malgun Gothic"/>
+              <a:cs typeface="Malgun Gothic"/>
+              <a:sym typeface="Malgun Gothic"/>
+            </a:endParaRPr>
+          </a:p>
+        </p:txBody>
+      </p:sp>
+      <p:sp>
+        <p:nvSpPr>
+          <p:cNvPr id="138" name="Google Shape;138;p18"/>
+          <p:cNvSpPr/>
+          <p:nvPr/>
+        </p:nvSpPr>
+        <p:spPr>
+          <a:xfrm>
+            <a:off x="7442225" y="4087626"/>
+            <a:ext cx="1373400" cy="388500"/>
+          </a:xfrm>
+          <a:prstGeom prst="rect">
+            <a:avLst/>
+          </a:prstGeom>
+          <a:solidFill>
+            <a:schemeClr val="dk2"/>
+          </a:solidFill>
+          <a:ln cap="flat" cmpd="sng" w="19050">
+            <a:solidFill>
+              <a:schemeClr val="dk1"/>
+            </a:solidFill>
+            <a:prstDash val="solid"/>
+            <a:round/>
+            <a:headEnd len="sm" w="sm" type="none"/>
+            <a:tailEnd len="sm" w="sm" type="none"/>
+          </a:ln>
+        </p:spPr>
+        <p:txBody>
+          <a:bodyPr anchorCtr="0" anchor="ctr" bIns="91425" lIns="91425" spcFirstLastPara="1" rIns="91425" wrap="square" tIns="91425">
+            <a:noAutofit/>
+          </a:bodyPr>
+          <a:lstStyle/>
+          <a:p>
+            <a:pPr indent="0" lvl="0" marL="0" rtl="0" algn="ctr">
+              <a:spcBef>
+                <a:spcPts val="0"/>
+              </a:spcBef>
+              <a:spcAft>
+                <a:spcPts val="0"/>
+              </a:spcAft>
+              <a:buNone/>
+            </a:pPr>
+            <a:r>
+              <a:rPr lang="ko">
+                <a:solidFill>
+                  <a:schemeClr val="dk1"/>
+                </a:solidFill>
+                <a:latin typeface="Malgun Gothic"/>
+                <a:ea typeface="Malgun Gothic"/>
+                <a:cs typeface="Malgun Gothic"/>
+                <a:sym typeface="Malgun Gothic"/>
+              </a:rPr>
+              <a:t>Sink</a:t>
+            </a:r>
+            <a:endParaRPr>
+              <a:solidFill>
+                <a:schemeClr val="dk1"/>
+              </a:solidFill>
+              <a:latin typeface="Malgun Gothic"/>
+              <a:ea typeface="Malgun Gothic"/>
+              <a:cs typeface="Malgun Gothic"/>
+              <a:sym typeface="Malgun Gothic"/>
+            </a:endParaRPr>
+          </a:p>
+        </p:txBody>
+      </p:sp>
+      <p:sp>
+        <p:nvSpPr>
+          <p:cNvPr id="139" name="Google Shape;139;p18"/>
+          <p:cNvSpPr/>
+          <p:nvPr/>
+        </p:nvSpPr>
+        <p:spPr>
+          <a:xfrm>
+            <a:off x="7442225" y="3699039"/>
+            <a:ext cx="1373400" cy="388500"/>
+          </a:xfrm>
+          <a:prstGeom prst="rect">
+            <a:avLst/>
+          </a:prstGeom>
+          <a:solidFill>
+            <a:schemeClr val="dk2"/>
+          </a:solidFill>
+          <a:ln cap="flat" cmpd="sng" w="19050">
+            <a:solidFill>
+              <a:schemeClr val="dk1"/>
+            </a:solidFill>
+            <a:prstDash val="solid"/>
+            <a:round/>
+            <a:headEnd len="sm" w="sm" type="none"/>
+            <a:tailEnd len="sm" w="sm" type="none"/>
+          </a:ln>
+        </p:spPr>
+        <p:txBody>
+          <a:bodyPr anchorCtr="0" anchor="ctr" bIns="91425" lIns="91425" spcFirstLastPara="1" rIns="91425" wrap="square" tIns="91425">
+            <a:noAutofit/>
+          </a:bodyPr>
+          <a:lstStyle/>
+          <a:p>
+            <a:pPr indent="0" lvl="0" marL="0" rtl="0" algn="ctr">
+              <a:spcBef>
+                <a:spcPts val="0"/>
+              </a:spcBef>
+              <a:spcAft>
+                <a:spcPts val="0"/>
+              </a:spcAft>
+              <a:buNone/>
+            </a:pPr>
+            <a:r>
+              <a:rPr lang="ko">
+                <a:solidFill>
+                  <a:schemeClr val="dk1"/>
+                </a:solidFill>
+                <a:latin typeface="Malgun Gothic"/>
+                <a:ea typeface="Malgun Gothic"/>
+                <a:cs typeface="Malgun Gothic"/>
+                <a:sym typeface="Malgun Gothic"/>
+              </a:rPr>
+              <a:t>Defeat</a:t>
+            </a:r>
+            <a:endParaRPr>
+              <a:solidFill>
+                <a:schemeClr val="dk1"/>
+              </a:solidFill>
+              <a:latin typeface="Malgun Gothic"/>
+              <a:ea typeface="Malgun Gothic"/>
+              <a:cs typeface="Malgun Gothic"/>
+              <a:sym typeface="Malgun Gothic"/>
+            </a:endParaRPr>
+          </a:p>
+        </p:txBody>
+      </p:sp>
+      <p:cxnSp>
+        <p:nvCxnSpPr>
+          <p:cNvPr id="140" name="Google Shape;140;p18"/>
+          <p:cNvCxnSpPr>
+            <a:endCxn id="129" idx="3"/>
+          </p:cNvCxnSpPr>
+          <p:nvPr/>
+        </p:nvCxnSpPr>
+        <p:spPr>
+          <a:xfrm flipH="1">
+            <a:off x="7206937" y="3829123"/>
+            <a:ext cx="231900" cy="1800"/>
+          </a:xfrm>
+          <a:prstGeom prst="straightConnector1">
+            <a:avLst/>
+          </a:prstGeom>
+          <a:noFill/>
+          <a:ln cap="flat" cmpd="sng" w="19050">
+            <a:solidFill>
+              <a:schemeClr val="dk1"/>
+            </a:solidFill>
+            <a:prstDash val="solid"/>
+            <a:round/>
+            <a:headEnd len="med" w="med" type="triangle"/>
+            <a:tailEnd len="med" w="med" type="none"/>
+          </a:ln>
+        </p:spPr>
+      </p:cxnSp>
     </p:spTree>
   </p:cSld>
   <p:clrMapOvr>
@@ -11514,7 +11809,7 @@
   <p:cSld>
     <p:spTree>
       <p:nvGrpSpPr>
-        <p:cNvPr id="140" name="Shape 140"/>
+        <p:cNvPr id="144" name="Shape 144"/>
         <p:cNvGrpSpPr/>
         <p:nvPr/>
       </p:nvGrpSpPr>
@@ -11528,7 +11823,7 @@
       </p:grpSpPr>
       <p:sp>
         <p:nvSpPr>
-          <p:cNvPr id="141" name="Google Shape;141;p19"/>
+          <p:cNvPr id="145" name="Google Shape;145;p19"/>
           <p:cNvSpPr txBox="1"/>
           <p:nvPr/>
         </p:nvSpPr>
@@ -11586,7 +11881,7 @@
       </p:sp>
       <p:grpSp>
         <p:nvGrpSpPr>
-          <p:cNvPr id="142" name="Google Shape;142;p19"/>
+          <p:cNvPr id="146" name="Google Shape;146;p19"/>
           <p:cNvGrpSpPr/>
           <p:nvPr/>
         </p:nvGrpSpPr>
@@ -11600,7 +11895,7 @@
         </p:grpSpPr>
         <p:pic>
           <p:nvPicPr>
-            <p:cNvPr id="143" name="Google Shape;143;p19"/>
+            <p:cNvPr id="147" name="Google Shape;147;p19"/>
             <p:cNvPicPr preferRelativeResize="0"/>
             <p:nvPr/>
           </p:nvPicPr>
@@ -11628,7 +11923,7 @@
         </p:pic>
         <p:pic>
           <p:nvPicPr>
-            <p:cNvPr id="144" name="Google Shape;144;p19"/>
+            <p:cNvPr id="148" name="Google Shape;148;p19"/>
             <p:cNvPicPr preferRelativeResize="0"/>
             <p:nvPr/>
           </p:nvPicPr>
@@ -11656,7 +11951,7 @@
         </p:pic>
         <p:pic>
           <p:nvPicPr>
-            <p:cNvPr id="145" name="Google Shape;145;p19"/>
+            <p:cNvPr id="149" name="Google Shape;149;p19"/>
             <p:cNvPicPr preferRelativeResize="0"/>
             <p:nvPr/>
           </p:nvPicPr>
@@ -11684,7 +11979,7 @@
         </p:pic>
         <p:pic>
           <p:nvPicPr>
-            <p:cNvPr id="146" name="Google Shape;146;p19"/>
+            <p:cNvPr id="150" name="Google Shape;150;p19"/>
             <p:cNvPicPr preferRelativeResize="0"/>
             <p:nvPr/>
           </p:nvPicPr>
@@ -11712,7 +12007,7 @@
         </p:pic>
         <p:sp>
           <p:nvSpPr>
-            <p:cNvPr id="147" name="Google Shape;147;p19"/>
+            <p:cNvPr id="151" name="Google Shape;151;p19"/>
             <p:cNvSpPr txBox="1"/>
             <p:nvPr/>
           </p:nvSpPr>
@@ -11770,7 +12065,7 @@
         </p:sp>
         <p:sp>
           <p:nvSpPr>
-            <p:cNvPr id="148" name="Google Shape;148;p19"/>
+            <p:cNvPr id="152" name="Google Shape;152;p19"/>
             <p:cNvSpPr txBox="1"/>
             <p:nvPr/>
           </p:nvSpPr>
@@ -11828,7 +12123,7 @@
         </p:sp>
         <p:sp>
           <p:nvSpPr>
-            <p:cNvPr id="149" name="Google Shape;149;p19"/>
+            <p:cNvPr id="153" name="Google Shape;153;p19"/>
             <p:cNvSpPr txBox="1"/>
             <p:nvPr/>
           </p:nvSpPr>
@@ -11886,7 +12181,7 @@
         </p:sp>
         <p:sp>
           <p:nvSpPr>
-            <p:cNvPr id="150" name="Google Shape;150;p19"/>
+            <p:cNvPr id="154" name="Google Shape;154;p19"/>
             <p:cNvSpPr txBox="1"/>
             <p:nvPr/>
           </p:nvSpPr>
@@ -11944,7 +12239,7 @@
         </p:sp>
         <p:sp>
           <p:nvSpPr>
-            <p:cNvPr id="151" name="Google Shape;151;p19"/>
+            <p:cNvPr id="155" name="Google Shape;155;p19"/>
             <p:cNvSpPr txBox="1"/>
             <p:nvPr/>
           </p:nvSpPr>
@@ -12002,7 +12297,7 @@
         </p:sp>
         <p:cxnSp>
           <p:nvCxnSpPr>
-            <p:cNvPr id="152" name="Google Shape;152;p19"/>
+            <p:cNvPr id="156" name="Google Shape;156;p19"/>
             <p:cNvCxnSpPr/>
             <p:nvPr/>
           </p:nvCxnSpPr>
@@ -12028,7 +12323,7 @@
         </p:cxnSp>
         <p:sp>
           <p:nvSpPr>
-            <p:cNvPr id="153" name="Google Shape;153;p19"/>
+            <p:cNvPr id="157" name="Google Shape;157;p19"/>
             <p:cNvSpPr/>
             <p:nvPr/>
           </p:nvSpPr>
@@ -12075,7 +12370,7 @@
         </p:sp>
         <p:sp>
           <p:nvSpPr>
-            <p:cNvPr id="154" name="Google Shape;154;p19"/>
+            <p:cNvPr id="158" name="Google Shape;158;p19"/>
             <p:cNvSpPr txBox="1"/>
             <p:nvPr/>
           </p:nvSpPr>
@@ -12134,7 +12429,7 @@
       </p:grpSp>
       <p:pic>
         <p:nvPicPr>
-          <p:cNvPr id="155" name="Google Shape;155;p19"/>
+          <p:cNvPr id="159" name="Google Shape;159;p19"/>
           <p:cNvPicPr preferRelativeResize="0"/>
           <p:nvPr/>
         </p:nvPicPr>
@@ -12168,7 +12463,7 @@
       </p:pic>
       <p:sp>
         <p:nvSpPr>
-          <p:cNvPr id="156" name="Google Shape;156;p19"/>
+          <p:cNvPr id="160" name="Google Shape;160;p19"/>
           <p:cNvSpPr txBox="1"/>
           <p:nvPr/>
         </p:nvSpPr>
@@ -12226,7 +12521,7 @@
       </p:sp>
       <p:sp>
         <p:nvSpPr>
-          <p:cNvPr id="157" name="Google Shape;157;p19"/>
+          <p:cNvPr id="161" name="Google Shape;161;p19"/>
           <p:cNvSpPr txBox="1"/>
           <p:nvPr/>
         </p:nvSpPr>
@@ -12424,22 +12719,21 @@
       </p:sp>
       <p:pic>
         <p:nvPicPr>
-          <p:cNvPr id="158" name="Google Shape;158;p19"/>
+          <p:cNvPr id="162" name="Google Shape;162;p19"/>
           <p:cNvPicPr preferRelativeResize="0"/>
           <p:nvPr/>
         </p:nvPicPr>
-        <p:blipFill>
+        <p:blipFill rotWithShape="1">
           <a:blip r:embed="rId8">
             <a:alphaModFix/>
           </a:blip>
-          <a:stretch>
-            <a:fillRect/>
-          </a:stretch>
+          <a:srcRect b="0" l="0" r="14755" t="42336"/>
+          <a:stretch/>
         </p:blipFill>
         <p:spPr>
           <a:xfrm>
-            <a:off x="4390725" y="3017750"/>
-            <a:ext cx="4499950" cy="1945300"/>
+            <a:off x="4395395" y="3688300"/>
+            <a:ext cx="4359431" cy="1274750"/>
           </a:xfrm>
           <a:prstGeom prst="rect">
             <a:avLst/>
@@ -12458,22 +12752,21 @@
       </p:pic>
       <p:pic>
         <p:nvPicPr>
-          <p:cNvPr id="159" name="Google Shape;159;p19"/>
+          <p:cNvPr id="163" name="Google Shape;163;p19"/>
           <p:cNvPicPr preferRelativeResize="0"/>
           <p:nvPr/>
         </p:nvPicPr>
-        <p:blipFill>
+        <p:blipFill rotWithShape="1">
           <a:blip r:embed="rId9">
             <a:alphaModFix/>
           </a:blip>
-          <a:stretch>
-            <a:fillRect/>
-          </a:stretch>
+          <a:srcRect b="0" l="0" r="18652" t="8324"/>
+          <a:stretch/>
         </p:blipFill>
         <p:spPr>
           <a:xfrm>
-            <a:off x="3530275" y="2626000"/>
-            <a:ext cx="4741874" cy="1692050"/>
+            <a:off x="3541475" y="2463400"/>
+            <a:ext cx="4685274" cy="1884200"/>
           </a:xfrm>
           <a:prstGeom prst="rect">
             <a:avLst/>
@@ -12492,13 +12785,13 @@
       </p:pic>
       <p:sp>
         <p:nvSpPr>
-          <p:cNvPr id="160" name="Google Shape;160;p19"/>
+          <p:cNvPr id="164" name="Google Shape;164;p19"/>
           <p:cNvSpPr txBox="1"/>
           <p:nvPr/>
         </p:nvSpPr>
         <p:spPr>
           <a:xfrm rot="-812">
-            <a:off x="3439399" y="2357055"/>
+            <a:off x="3450599" y="2197905"/>
             <a:ext cx="1269900" cy="323100"/>
           </a:xfrm>
           <a:prstGeom prst="rect">
@@ -12550,7 +12843,7 @@
       </p:sp>
       <p:sp>
         <p:nvSpPr>
-          <p:cNvPr id="161" name="Google Shape;161;p19"/>
+          <p:cNvPr id="165" name="Google Shape;165;p19"/>
           <p:cNvSpPr txBox="1"/>
           <p:nvPr/>
         </p:nvSpPr>
@@ -12608,13 +12901,13 @@
       </p:sp>
       <p:sp>
         <p:nvSpPr>
-          <p:cNvPr id="162" name="Google Shape;162;p19"/>
+          <p:cNvPr id="166" name="Google Shape;166;p19"/>
           <p:cNvSpPr/>
           <p:nvPr/>
         </p:nvSpPr>
         <p:spPr>
           <a:xfrm>
-            <a:off x="4781800" y="4687750"/>
+            <a:off x="4799013" y="4644325"/>
             <a:ext cx="2170200" cy="173700"/>
           </a:xfrm>
           <a:prstGeom prst="rect">
@@ -12655,18 +12948,18 @@
       </p:sp>
       <p:cxnSp>
         <p:nvCxnSpPr>
-          <p:cNvPr id="163" name="Google Shape;163;p19"/>
+          <p:cNvPr id="167" name="Google Shape;167;p19"/>
           <p:cNvCxnSpPr/>
           <p:nvPr/>
         </p:nvCxnSpPr>
         <p:spPr>
           <a:xfrm rot="10800000">
-            <a:off x="4246600" y="4347600"/>
-            <a:ext cx="535200" cy="412500"/>
+            <a:off x="4246325" y="4376575"/>
+            <a:ext cx="542700" cy="361800"/>
           </a:xfrm>
           <a:prstGeom prst="bentConnector3">
             <a:avLst>
-              <a:gd fmla="val 99855" name="adj1"/>
+              <a:gd fmla="val 99977" name="adj1"/>
             </a:avLst>
           </a:prstGeom>
           <a:noFill/>
@@ -12683,7 +12976,7 @@
       </p:cxnSp>
       <p:sp>
         <p:nvSpPr>
-          <p:cNvPr id="164" name="Google Shape;164;p19"/>
+          <p:cNvPr id="168" name="Google Shape;168;p19"/>
           <p:cNvSpPr txBox="1"/>
           <p:nvPr/>
         </p:nvSpPr>
@@ -12752,7 +13045,7 @@
   <p:cSld>
     <p:spTree>
       <p:nvGrpSpPr>
-        <p:cNvPr id="168" name="Shape 168"/>
+        <p:cNvPr id="172" name="Shape 172"/>
         <p:cNvGrpSpPr/>
         <p:nvPr/>
       </p:nvGrpSpPr>
@@ -12766,14 +13059,14 @@
       </p:grpSpPr>
       <p:sp>
         <p:nvSpPr>
-          <p:cNvPr id="169" name="Google Shape;169;p20"/>
+          <p:cNvPr id="173" name="Google Shape;173;p20"/>
           <p:cNvSpPr/>
           <p:nvPr/>
         </p:nvSpPr>
         <p:spPr>
           <a:xfrm>
-            <a:off x="5671600" y="3707754"/>
-            <a:ext cx="3134700" cy="1351800"/>
+            <a:off x="3938450" y="974425"/>
+            <a:ext cx="4868700" cy="1752900"/>
           </a:xfrm>
           <a:prstGeom prst="rect">
             <a:avLst/>
@@ -12813,7 +13106,54 @@
       </p:sp>
       <p:sp>
         <p:nvSpPr>
-          <p:cNvPr id="170" name="Google Shape;170;p20"/>
+          <p:cNvPr id="174" name="Google Shape;174;p20"/>
+          <p:cNvSpPr/>
+          <p:nvPr/>
+        </p:nvSpPr>
+        <p:spPr>
+          <a:xfrm>
+            <a:off x="5671600" y="3707754"/>
+            <a:ext cx="3134700" cy="1351800"/>
+          </a:xfrm>
+          <a:prstGeom prst="rect">
+            <a:avLst/>
+          </a:prstGeom>
+          <a:noFill/>
+          <a:ln cap="flat" cmpd="sng" w="19050">
+            <a:solidFill>
+              <a:schemeClr val="dk1"/>
+            </a:solidFill>
+            <a:prstDash val="solid"/>
+            <a:round/>
+            <a:headEnd len="sm" w="sm" type="none"/>
+            <a:tailEnd len="sm" w="sm" type="none"/>
+          </a:ln>
+        </p:spPr>
+        <p:txBody>
+          <a:bodyPr anchorCtr="0" anchor="ctr" bIns="91425" lIns="91425" spcFirstLastPara="1" rIns="91425" wrap="square" tIns="91425">
+            <a:noAutofit/>
+          </a:bodyPr>
+          <a:lstStyle/>
+          <a:p>
+            <a:pPr indent="0" lvl="0" marL="0" rtl="0" algn="l">
+              <a:spcBef>
+                <a:spcPts val="0"/>
+              </a:spcBef>
+              <a:spcAft>
+                <a:spcPts val="0"/>
+              </a:spcAft>
+              <a:buNone/>
+            </a:pPr>
+            <a:r>
+              <a:t/>
+            </a:r>
+            <a:endParaRPr/>
+          </a:p>
+        </p:txBody>
+      </p:sp>
+      <p:sp>
+        <p:nvSpPr>
+          <p:cNvPr id="175" name="Google Shape;175;p20"/>
           <p:cNvSpPr/>
           <p:nvPr/>
         </p:nvSpPr>
@@ -12864,7 +13204,7 @@
       </p:sp>
       <p:sp>
         <p:nvSpPr>
-          <p:cNvPr id="171" name="Google Shape;171;p20"/>
+          <p:cNvPr id="176" name="Google Shape;176;p20"/>
           <p:cNvSpPr txBox="1"/>
           <p:nvPr/>
         </p:nvSpPr>
@@ -12922,22 +13262,21 @@
       </p:sp>
       <p:pic>
         <p:nvPicPr>
-          <p:cNvPr id="172" name="Google Shape;172;p20"/>
+          <p:cNvPr id="177" name="Google Shape;177;p20"/>
           <p:cNvPicPr preferRelativeResize="0"/>
           <p:nvPr/>
         </p:nvPicPr>
-        <p:blipFill>
+        <p:blipFill rotWithShape="1">
           <a:blip r:embed="rId3">
             <a:alphaModFix/>
           </a:blip>
-          <a:stretch>
-            <a:fillRect/>
-          </a:stretch>
+          <a:srcRect b="0" l="0" r="4177" t="0"/>
+          <a:stretch/>
         </p:blipFill>
         <p:spPr>
           <a:xfrm>
-            <a:off x="282325" y="1091388"/>
-            <a:ext cx="2029325" cy="1351825"/>
+            <a:off x="4004775" y="1084350"/>
+            <a:ext cx="2205051" cy="1532850"/>
           </a:xfrm>
           <a:prstGeom prst="rect">
             <a:avLst/>
@@ -12950,22 +13289,21 @@
       </p:pic>
       <p:pic>
         <p:nvPicPr>
-          <p:cNvPr id="173" name="Google Shape;173;p20"/>
+          <p:cNvPr id="178" name="Google Shape;178;p20"/>
           <p:cNvPicPr preferRelativeResize="0"/>
           <p:nvPr/>
         </p:nvPicPr>
-        <p:blipFill>
+        <p:blipFill rotWithShape="1">
           <a:blip r:embed="rId4">
             <a:alphaModFix/>
           </a:blip>
-          <a:stretch>
-            <a:fillRect/>
-          </a:stretch>
+          <a:srcRect b="0" l="5730" r="4727" t="0"/>
+          <a:stretch/>
         </p:blipFill>
         <p:spPr>
           <a:xfrm>
-            <a:off x="2703900" y="1066094"/>
-            <a:ext cx="2097450" cy="1402405"/>
+            <a:off x="6637800" y="1074450"/>
+            <a:ext cx="2060574" cy="1538550"/>
           </a:xfrm>
           <a:prstGeom prst="rect">
             <a:avLst/>
@@ -12978,23 +13316,23 @@
       </p:pic>
       <p:cxnSp>
         <p:nvCxnSpPr>
-          <p:cNvPr id="174" name="Google Shape;174;p20"/>
+          <p:cNvPr id="179" name="Google Shape;179;p20"/>
           <p:cNvCxnSpPr>
-            <a:stCxn id="172" idx="3"/>
-            <a:endCxn id="173" idx="1"/>
+            <a:stCxn id="177" idx="3"/>
+            <a:endCxn id="178" idx="1"/>
           </p:cNvCxnSpPr>
           <p:nvPr/>
         </p:nvCxnSpPr>
         <p:spPr>
-          <a:xfrm>
-            <a:off x="2311650" y="1767300"/>
-            <a:ext cx="392400" cy="0"/>
+          <a:xfrm flipH="1" rot="10800000">
+            <a:off x="6209826" y="1843875"/>
+            <a:ext cx="428100" cy="6900"/>
           </a:xfrm>
           <a:prstGeom prst="straightConnector1">
             <a:avLst/>
           </a:prstGeom>
           <a:noFill/>
-          <a:ln cap="flat" cmpd="sng" w="28575">
+          <a:ln cap="flat" cmpd="sng" w="19050">
             <a:solidFill>
               <a:schemeClr val="dk1"/>
             </a:solidFill>
@@ -13007,20 +13345,20 @@
       </p:cxnSp>
       <p:sp>
         <p:nvSpPr>
-          <p:cNvPr id="175" name="Google Shape;175;p20"/>
+          <p:cNvPr id="180" name="Google Shape;180;p20"/>
           <p:cNvSpPr txBox="1"/>
           <p:nvPr/>
         </p:nvSpPr>
         <p:spPr>
           <a:xfrm>
-            <a:off x="4904775" y="1247725"/>
-            <a:ext cx="4101900" cy="923400"/>
+            <a:off x="375532" y="1032225"/>
+            <a:ext cx="3285000" cy="985200"/>
           </a:xfrm>
           <a:prstGeom prst="rect">
             <a:avLst/>
           </a:prstGeom>
           <a:noFill/>
-          <a:ln cap="flat" cmpd="sng" w="9525">
+          <a:ln cap="flat" cmpd="sng" w="19050">
             <a:solidFill>
               <a:schemeClr val="dk1"/>
             </a:solidFill>
@@ -13046,7 +13384,7 @@
               <a:buNone/>
             </a:pPr>
             <a:r>
-              <a:rPr b="1" lang="ko" sz="1200">
+              <a:rPr b="1" lang="ko" sz="950">
                 <a:solidFill>
                   <a:schemeClr val="dk1"/>
                 </a:solidFill>
@@ -13055,9 +13393,21 @@
                 <a:cs typeface="Malgun Gothic"/>
                 <a:sym typeface="Malgun Gothic"/>
               </a:rPr>
-              <a:t>플레이어가 이동을 명령했을때 </a:t>
+              <a:t>플레이어가 이동을 명령</a:t>
             </a:r>
-            <a:endParaRPr b="1" sz="1200">
+            <a:r>
+              <a:rPr b="1" lang="ko" sz="950">
+                <a:solidFill>
+                  <a:schemeClr val="dk1"/>
+                </a:solidFill>
+                <a:latin typeface="Malgun Gothic"/>
+                <a:ea typeface="Malgun Gothic"/>
+                <a:cs typeface="Malgun Gothic"/>
+                <a:sym typeface="Malgun Gothic"/>
+              </a:rPr>
+              <a:t>했을때 </a:t>
+            </a:r>
+            <a:endParaRPr b="1" sz="950">
               <a:solidFill>
                 <a:schemeClr val="dk1"/>
               </a:solidFill>
@@ -13078,7 +13428,7 @@
               <a:buNone/>
             </a:pPr>
             <a:r>
-              <a:rPr b="1" lang="ko" sz="1200">
+              <a:rPr b="1" lang="ko" sz="950">
                 <a:solidFill>
                   <a:schemeClr val="dk1"/>
                 </a:solidFill>
@@ -13089,7 +13439,7 @@
               </a:rPr>
               <a:t>변경된 타일의 위치, 상태, 애니메이션 등을 Stack에 저장</a:t>
             </a:r>
-            <a:endParaRPr b="1" sz="1200">
+            <a:endParaRPr b="1" sz="950">
               <a:solidFill>
                 <a:schemeClr val="dk1"/>
               </a:solidFill>
@@ -13112,7 +13462,7 @@
             <a:r>
               <a:t/>
             </a:r>
-            <a:endParaRPr b="1" sz="1200">
+            <a:endParaRPr b="1" sz="950">
               <a:solidFill>
                 <a:schemeClr val="dk1"/>
               </a:solidFill>
@@ -13133,7 +13483,7 @@
               <a:buNone/>
             </a:pPr>
             <a:r>
-              <a:rPr b="1" lang="ko" sz="1200">
+              <a:rPr b="1" lang="ko" sz="950">
                 <a:solidFill>
                   <a:schemeClr val="dk1"/>
                 </a:solidFill>
@@ -13144,7 +13494,53 @@
               </a:rPr>
               <a:t>되돌리기시 Stack에 저장된 데이터를 이용하여 구현</a:t>
             </a:r>
-            <a:endParaRPr b="1" sz="1200">
+            <a:endParaRPr b="1" sz="900">
+              <a:solidFill>
+                <a:schemeClr val="dk1"/>
+              </a:solidFill>
+              <a:latin typeface="Malgun Gothic"/>
+              <a:ea typeface="Malgun Gothic"/>
+              <a:cs typeface="Malgun Gothic"/>
+              <a:sym typeface="Malgun Gothic"/>
+            </a:endParaRPr>
+          </a:p>
+          <a:p>
+            <a:pPr indent="0" lvl="0" marL="0" rtl="0" algn="l">
+              <a:spcBef>
+                <a:spcPts val="0"/>
+              </a:spcBef>
+              <a:spcAft>
+                <a:spcPts val="0"/>
+              </a:spcAft>
+              <a:buNone/>
+            </a:pPr>
+            <a:r>
+              <a:t/>
+            </a:r>
+            <a:endParaRPr b="1" sz="900">
+              <a:solidFill>
+                <a:schemeClr val="dk1"/>
+              </a:solidFill>
+              <a:latin typeface="Malgun Gothic"/>
+              <a:ea typeface="Malgun Gothic"/>
+              <a:cs typeface="Malgun Gothic"/>
+              <a:sym typeface="Malgun Gothic"/>
+            </a:endParaRPr>
+          </a:p>
+          <a:p>
+            <a:pPr indent="0" lvl="0" marL="0" rtl="0" algn="l">
+              <a:spcBef>
+                <a:spcPts val="0"/>
+              </a:spcBef>
+              <a:spcAft>
+                <a:spcPts val="0"/>
+              </a:spcAft>
+              <a:buNone/>
+            </a:pPr>
+            <a:r>
+              <a:t/>
+            </a:r>
+            <a:endParaRPr b="1" sz="500">
               <a:solidFill>
                 <a:schemeClr val="dk1"/>
               </a:solidFill>
@@ -13158,22 +13554,21 @@
       </p:sp>
       <p:pic>
         <p:nvPicPr>
-          <p:cNvPr id="176" name="Google Shape;176;p20"/>
+          <p:cNvPr id="181" name="Google Shape;181;p20"/>
           <p:cNvPicPr preferRelativeResize="0"/>
           <p:nvPr/>
         </p:nvPicPr>
-        <p:blipFill>
+        <p:blipFill rotWithShape="1">
           <a:blip r:embed="rId5">
             <a:alphaModFix/>
           </a:blip>
-          <a:stretch>
-            <a:fillRect/>
-          </a:stretch>
+          <a:srcRect b="18035" l="0" r="11660" t="6469"/>
+          <a:stretch/>
         </p:blipFill>
         <p:spPr>
           <a:xfrm>
-            <a:off x="426175" y="2850250"/>
-            <a:ext cx="3662734" cy="2032325"/>
+            <a:off x="382766" y="2900889"/>
+            <a:ext cx="4514775" cy="2140851"/>
           </a:xfrm>
           <a:prstGeom prst="rect">
             <a:avLst/>
@@ -13192,22 +13587,21 @@
       </p:pic>
       <p:pic>
         <p:nvPicPr>
-          <p:cNvPr id="177" name="Google Shape;177;p20"/>
+          <p:cNvPr id="182" name="Google Shape;182;p20"/>
           <p:cNvPicPr preferRelativeResize="0"/>
           <p:nvPr/>
         </p:nvPicPr>
-        <p:blipFill>
+        <p:blipFill rotWithShape="1">
           <a:blip r:embed="rId6">
             <a:alphaModFix/>
           </a:blip>
-          <a:stretch>
-            <a:fillRect/>
-          </a:stretch>
+          <a:srcRect b="15191" l="0" r="4861" t="4215"/>
+          <a:stretch/>
         </p:blipFill>
         <p:spPr>
           <a:xfrm>
-            <a:off x="3041877" y="2850250"/>
-            <a:ext cx="2437030" cy="2140851"/>
+            <a:off x="2661016" y="2900889"/>
+            <a:ext cx="2877113" cy="2140851"/>
           </a:xfrm>
           <a:prstGeom prst="rect">
             <a:avLst/>
@@ -13226,13 +13620,13 @@
       </p:pic>
       <p:sp>
         <p:nvSpPr>
-          <p:cNvPr id="178" name="Google Shape;178;p20"/>
+          <p:cNvPr id="183" name="Google Shape;183;p20"/>
           <p:cNvSpPr txBox="1"/>
           <p:nvPr/>
         </p:nvSpPr>
         <p:spPr>
           <a:xfrm rot="-478">
-            <a:off x="282478" y="2571887"/>
+            <a:off x="275244" y="2622526"/>
             <a:ext cx="2155500" cy="323100"/>
           </a:xfrm>
           <a:prstGeom prst="rect">
@@ -13284,13 +13678,13 @@
       </p:sp>
       <p:sp>
         <p:nvSpPr>
-          <p:cNvPr id="179" name="Google Shape;179;p20"/>
+          <p:cNvPr id="184" name="Google Shape;184;p20"/>
           <p:cNvSpPr txBox="1"/>
           <p:nvPr/>
         </p:nvSpPr>
         <p:spPr>
           <a:xfrm rot="-812">
-            <a:off x="2965829" y="2571887"/>
+            <a:off x="2661170" y="2622526"/>
             <a:ext cx="1269900" cy="323100"/>
           </a:xfrm>
           <a:prstGeom prst="rect">
@@ -13354,7 +13748,7 @@
       </p:sp>
       <p:sp>
         <p:nvSpPr>
-          <p:cNvPr id="180" name="Google Shape;180;p20"/>
+          <p:cNvPr id="185" name="Google Shape;185;p20"/>
           <p:cNvSpPr txBox="1"/>
           <p:nvPr/>
         </p:nvSpPr>
@@ -13367,7 +13761,7 @@
             <a:avLst/>
           </a:prstGeom>
           <a:noFill/>
-          <a:ln cap="flat" cmpd="sng" w="9525">
+          <a:ln cap="flat" cmpd="sng" w="19050">
             <a:solidFill>
               <a:schemeClr val="dk1"/>
             </a:solidFill>
@@ -13482,7 +13876,7 @@
       </p:sp>
       <p:sp>
         <p:nvSpPr>
-          <p:cNvPr id="181" name="Google Shape;181;p20"/>
+          <p:cNvPr id="186" name="Google Shape;186;p20"/>
           <p:cNvSpPr/>
           <p:nvPr/>
         </p:nvSpPr>
@@ -13538,7 +13932,7 @@
       </p:sp>
       <p:sp>
         <p:nvSpPr>
-          <p:cNvPr id="182" name="Google Shape;182;p20"/>
+          <p:cNvPr id="187" name="Google Shape;187;p20"/>
           <p:cNvSpPr/>
           <p:nvPr/>
         </p:nvSpPr>
@@ -13594,7 +13988,7 @@
       </p:sp>
       <p:sp>
         <p:nvSpPr>
-          <p:cNvPr id="183" name="Google Shape;183;p20"/>
+          <p:cNvPr id="188" name="Google Shape;188;p20"/>
           <p:cNvSpPr/>
           <p:nvPr/>
         </p:nvSpPr>
@@ -13650,7 +14044,7 @@
       </p:sp>
       <p:sp>
         <p:nvSpPr>
-          <p:cNvPr id="184" name="Google Shape;184;p20"/>
+          <p:cNvPr id="189" name="Google Shape;189;p20"/>
           <p:cNvSpPr/>
           <p:nvPr/>
         </p:nvSpPr>
@@ -13706,7 +14100,7 @@
       </p:sp>
       <p:sp>
         <p:nvSpPr>
-          <p:cNvPr id="185" name="Google Shape;185;p20"/>
+          <p:cNvPr id="190" name="Google Shape;190;p20"/>
           <p:cNvSpPr/>
           <p:nvPr/>
         </p:nvSpPr>
@@ -13757,7 +14151,7 @@
       </p:sp>
       <p:sp>
         <p:nvSpPr>
-          <p:cNvPr id="186" name="Google Shape;186;p20"/>
+          <p:cNvPr id="191" name="Google Shape;191;p20"/>
           <p:cNvSpPr/>
           <p:nvPr/>
         </p:nvSpPr>
@@ -13813,260 +14207,13 @@
       </p:sp>
       <p:sp>
         <p:nvSpPr>
-          <p:cNvPr id="187" name="Google Shape;187;p20"/>
-          <p:cNvSpPr/>
-          <p:nvPr/>
-        </p:nvSpPr>
-        <p:spPr>
-          <a:xfrm>
-            <a:off x="7017963" y="4213893"/>
-            <a:ext cx="506400" cy="302100"/>
-          </a:xfrm>
-          <a:prstGeom prst="rect">
-            <a:avLst/>
-          </a:prstGeom>
-          <a:noFill/>
-          <a:ln cap="flat" cmpd="sng" w="19050">
-            <a:solidFill>
-              <a:schemeClr val="dk1"/>
-            </a:solidFill>
-            <a:prstDash val="solid"/>
-            <a:round/>
-            <a:headEnd len="sm" w="sm" type="none"/>
-            <a:tailEnd len="sm" w="sm" type="none"/>
-          </a:ln>
-        </p:spPr>
-        <p:txBody>
-          <a:bodyPr anchorCtr="0" anchor="ctr" bIns="91425" lIns="91425" spcFirstLastPara="1" rIns="91425" wrap="square" tIns="91425">
-            <a:noAutofit/>
-          </a:bodyPr>
-          <a:lstStyle/>
-          <a:p>
-            <a:pPr indent="0" lvl="0" marL="0" rtl="0" algn="ctr">
-              <a:spcBef>
-                <a:spcPts val="0"/>
-              </a:spcBef>
-              <a:spcAft>
-                <a:spcPts val="0"/>
-              </a:spcAft>
-              <a:buNone/>
-            </a:pPr>
-            <a:r>
-              <a:rPr b="1" lang="ko" sz="800">
-                <a:solidFill>
-                  <a:schemeClr val="dk1"/>
-                </a:solidFill>
-              </a:rPr>
-              <a:t>2</a:t>
-            </a:r>
-            <a:endParaRPr b="1" sz="800">
-              <a:solidFill>
-                <a:schemeClr val="dk1"/>
-              </a:solidFill>
-            </a:endParaRPr>
-          </a:p>
-        </p:txBody>
-      </p:sp>
-      <p:sp>
-        <p:nvSpPr>
-          <p:cNvPr id="188" name="Google Shape;188;p20"/>
-          <p:cNvSpPr/>
-          <p:nvPr/>
-        </p:nvSpPr>
-        <p:spPr>
-          <a:xfrm>
-            <a:off x="7017963" y="4515845"/>
-            <a:ext cx="506400" cy="302100"/>
-          </a:xfrm>
-          <a:prstGeom prst="rect">
-            <a:avLst/>
-          </a:prstGeom>
-          <a:noFill/>
-          <a:ln cap="flat" cmpd="sng" w="19050">
-            <a:solidFill>
-              <a:schemeClr val="dk1"/>
-            </a:solidFill>
-            <a:prstDash val="solid"/>
-            <a:round/>
-            <a:headEnd len="sm" w="sm" type="none"/>
-            <a:tailEnd len="sm" w="sm" type="none"/>
-          </a:ln>
-        </p:spPr>
-        <p:txBody>
-          <a:bodyPr anchorCtr="0" anchor="ctr" bIns="91425" lIns="91425" spcFirstLastPara="1" rIns="91425" wrap="square" tIns="91425">
-            <a:noAutofit/>
-          </a:bodyPr>
-          <a:lstStyle/>
-          <a:p>
-            <a:pPr indent="0" lvl="0" marL="0" rtl="0" algn="ctr">
-              <a:spcBef>
-                <a:spcPts val="0"/>
-              </a:spcBef>
-              <a:spcAft>
-                <a:spcPts val="0"/>
-              </a:spcAft>
-              <a:buNone/>
-            </a:pPr>
-            <a:r>
-              <a:rPr b="1" lang="ko" sz="800">
-                <a:solidFill>
-                  <a:schemeClr val="dk1"/>
-                </a:solidFill>
-              </a:rPr>
-              <a:t>1</a:t>
-            </a:r>
-            <a:endParaRPr b="1" sz="800">
-              <a:solidFill>
-                <a:schemeClr val="dk1"/>
-              </a:solidFill>
-            </a:endParaRPr>
-          </a:p>
-        </p:txBody>
-      </p:sp>
-      <p:cxnSp>
-        <p:nvCxnSpPr>
-          <p:cNvPr id="189" name="Google Shape;189;p20"/>
-          <p:cNvCxnSpPr/>
-          <p:nvPr/>
-        </p:nvCxnSpPr>
-        <p:spPr>
-          <a:xfrm>
-            <a:off x="6406350" y="4369679"/>
-            <a:ext cx="604200" cy="0"/>
-          </a:xfrm>
-          <a:prstGeom prst="straightConnector1">
-            <a:avLst/>
-          </a:prstGeom>
-          <a:noFill/>
-          <a:ln cap="flat" cmpd="sng" w="19050">
-            <a:solidFill>
-              <a:schemeClr val="dk1"/>
-            </a:solidFill>
-            <a:prstDash val="solid"/>
-            <a:round/>
-            <a:headEnd len="med" w="med" type="none"/>
-            <a:tailEnd len="med" w="med" type="triangle"/>
-          </a:ln>
-        </p:spPr>
-      </p:cxnSp>
-      <p:sp>
-        <p:nvSpPr>
-          <p:cNvPr id="190" name="Google Shape;190;p20"/>
-          <p:cNvSpPr txBox="1"/>
-          <p:nvPr/>
-        </p:nvSpPr>
-        <p:spPr>
-          <a:xfrm>
-            <a:off x="6399870" y="4098571"/>
-            <a:ext cx="599700" cy="307800"/>
-          </a:xfrm>
-          <a:prstGeom prst="rect">
-            <a:avLst/>
-          </a:prstGeom>
-          <a:noFill/>
-          <a:ln>
-            <a:noFill/>
-          </a:ln>
-        </p:spPr>
-        <p:txBody>
-          <a:bodyPr anchorCtr="0" anchor="t" bIns="91425" lIns="91425" spcFirstLastPara="1" rIns="91425" wrap="square" tIns="91425">
-            <a:spAutoFit/>
-          </a:bodyPr>
-          <a:lstStyle/>
-          <a:p>
-            <a:pPr indent="0" lvl="0" marL="0" rtl="0" algn="l">
-              <a:spcBef>
-                <a:spcPts val="0"/>
-              </a:spcBef>
-              <a:spcAft>
-                <a:spcPts val="0"/>
-              </a:spcAft>
-              <a:buNone/>
-            </a:pPr>
-            <a:r>
-              <a:rPr b="1" lang="ko" sz="800">
-                <a:solidFill>
-                  <a:schemeClr val="dk1"/>
-                </a:solidFill>
-                <a:latin typeface="Malgun Gothic"/>
-                <a:ea typeface="Malgun Gothic"/>
-                <a:cs typeface="Malgun Gothic"/>
-                <a:sym typeface="Malgun Gothic"/>
-              </a:rPr>
-              <a:t>되돌리기</a:t>
-            </a:r>
-            <a:endParaRPr b="1" sz="800">
-              <a:solidFill>
-                <a:schemeClr val="dk1"/>
-              </a:solidFill>
-              <a:latin typeface="Malgun Gothic"/>
-              <a:ea typeface="Malgun Gothic"/>
-              <a:cs typeface="Malgun Gothic"/>
-              <a:sym typeface="Malgun Gothic"/>
-            </a:endParaRPr>
-          </a:p>
-        </p:txBody>
-      </p:sp>
-      <p:sp>
-        <p:nvSpPr>
-          <p:cNvPr id="191" name="Google Shape;191;p20"/>
-          <p:cNvSpPr/>
-          <p:nvPr/>
-        </p:nvSpPr>
-        <p:spPr>
-          <a:xfrm>
-            <a:off x="8141125" y="4071041"/>
-            <a:ext cx="506400" cy="597300"/>
-          </a:xfrm>
-          <a:prstGeom prst="rect">
-            <a:avLst/>
-          </a:prstGeom>
-          <a:noFill/>
-          <a:ln cap="flat" cmpd="sng" w="19050">
-            <a:solidFill>
-              <a:schemeClr val="dk1"/>
-            </a:solidFill>
-            <a:prstDash val="solid"/>
-            <a:round/>
-            <a:headEnd len="sm" w="sm" type="none"/>
-            <a:tailEnd len="sm" w="sm" type="none"/>
-          </a:ln>
-        </p:spPr>
-        <p:txBody>
-          <a:bodyPr anchorCtr="0" anchor="ctr" bIns="91425" lIns="91425" spcFirstLastPara="1" rIns="91425" wrap="square" tIns="91425">
-            <a:noAutofit/>
-          </a:bodyPr>
-          <a:lstStyle/>
-          <a:p>
-            <a:pPr indent="0" lvl="0" marL="0" rtl="0" algn="ctr">
-              <a:spcBef>
-                <a:spcPts val="0"/>
-              </a:spcBef>
-              <a:spcAft>
-                <a:spcPts val="0"/>
-              </a:spcAft>
-              <a:buNone/>
-            </a:pPr>
-            <a:r>
-              <a:t/>
-            </a:r>
-            <a:endParaRPr b="1" sz="800">
-              <a:solidFill>
-                <a:schemeClr val="dk1"/>
-              </a:solidFill>
-            </a:endParaRPr>
-          </a:p>
-        </p:txBody>
-      </p:sp>
-      <p:sp>
-        <p:nvSpPr>
           <p:cNvPr id="192" name="Google Shape;192;p20"/>
           <p:cNvSpPr/>
           <p:nvPr/>
         </p:nvSpPr>
         <p:spPr>
           <a:xfrm>
-            <a:off x="8141150" y="4071041"/>
+            <a:off x="7017963" y="4213893"/>
             <a:ext cx="506400" cy="302100"/>
           </a:xfrm>
           <a:prstGeom prst="rect">
@@ -14122,7 +14269,7 @@
         </p:nvSpPr>
         <p:spPr>
           <a:xfrm>
-            <a:off x="8141125" y="4363609"/>
+            <a:off x="7017963" y="4515845"/>
             <a:ext cx="506400" cy="302100"/>
           </a:xfrm>
           <a:prstGeom prst="rect">
@@ -14178,7 +14325,7 @@
         </p:nvCxnSpPr>
         <p:spPr>
           <a:xfrm>
-            <a:off x="7531825" y="4364779"/>
+            <a:off x="6406350" y="4369679"/>
             <a:ext cx="604200" cy="0"/>
           </a:xfrm>
           <a:prstGeom prst="straightConnector1">
@@ -14204,7 +14351,7 @@
         </p:nvSpPr>
         <p:spPr>
           <a:xfrm>
-            <a:off x="7525345" y="4093671"/>
+            <a:off x="6399870" y="4098571"/>
             <a:ext cx="599700" cy="307800"/>
           </a:xfrm>
           <a:prstGeom prst="rect">
@@ -14257,6 +14404,253 @@
       <p:sp>
         <p:nvSpPr>
           <p:cNvPr id="196" name="Google Shape;196;p20"/>
+          <p:cNvSpPr/>
+          <p:nvPr/>
+        </p:nvSpPr>
+        <p:spPr>
+          <a:xfrm>
+            <a:off x="8141125" y="4071041"/>
+            <a:ext cx="506400" cy="597300"/>
+          </a:xfrm>
+          <a:prstGeom prst="rect">
+            <a:avLst/>
+          </a:prstGeom>
+          <a:noFill/>
+          <a:ln cap="flat" cmpd="sng" w="19050">
+            <a:solidFill>
+              <a:schemeClr val="dk1"/>
+            </a:solidFill>
+            <a:prstDash val="solid"/>
+            <a:round/>
+            <a:headEnd len="sm" w="sm" type="none"/>
+            <a:tailEnd len="sm" w="sm" type="none"/>
+          </a:ln>
+        </p:spPr>
+        <p:txBody>
+          <a:bodyPr anchorCtr="0" anchor="ctr" bIns="91425" lIns="91425" spcFirstLastPara="1" rIns="91425" wrap="square" tIns="91425">
+            <a:noAutofit/>
+          </a:bodyPr>
+          <a:lstStyle/>
+          <a:p>
+            <a:pPr indent="0" lvl="0" marL="0" rtl="0" algn="ctr">
+              <a:spcBef>
+                <a:spcPts val="0"/>
+              </a:spcBef>
+              <a:spcAft>
+                <a:spcPts val="0"/>
+              </a:spcAft>
+              <a:buNone/>
+            </a:pPr>
+            <a:r>
+              <a:t/>
+            </a:r>
+            <a:endParaRPr b="1" sz="800">
+              <a:solidFill>
+                <a:schemeClr val="dk1"/>
+              </a:solidFill>
+            </a:endParaRPr>
+          </a:p>
+        </p:txBody>
+      </p:sp>
+      <p:sp>
+        <p:nvSpPr>
+          <p:cNvPr id="197" name="Google Shape;197;p20"/>
+          <p:cNvSpPr/>
+          <p:nvPr/>
+        </p:nvSpPr>
+        <p:spPr>
+          <a:xfrm>
+            <a:off x="8141150" y="4071041"/>
+            <a:ext cx="506400" cy="302100"/>
+          </a:xfrm>
+          <a:prstGeom prst="rect">
+            <a:avLst/>
+          </a:prstGeom>
+          <a:noFill/>
+          <a:ln cap="flat" cmpd="sng" w="19050">
+            <a:solidFill>
+              <a:schemeClr val="dk1"/>
+            </a:solidFill>
+            <a:prstDash val="solid"/>
+            <a:round/>
+            <a:headEnd len="sm" w="sm" type="none"/>
+            <a:tailEnd len="sm" w="sm" type="none"/>
+          </a:ln>
+        </p:spPr>
+        <p:txBody>
+          <a:bodyPr anchorCtr="0" anchor="ctr" bIns="91425" lIns="91425" spcFirstLastPara="1" rIns="91425" wrap="square" tIns="91425">
+            <a:noAutofit/>
+          </a:bodyPr>
+          <a:lstStyle/>
+          <a:p>
+            <a:pPr indent="0" lvl="0" marL="0" rtl="0" algn="ctr">
+              <a:spcBef>
+                <a:spcPts val="0"/>
+              </a:spcBef>
+              <a:spcAft>
+                <a:spcPts val="0"/>
+              </a:spcAft>
+              <a:buNone/>
+            </a:pPr>
+            <a:r>
+              <a:rPr b="1" lang="ko" sz="800">
+                <a:solidFill>
+                  <a:schemeClr val="dk1"/>
+                </a:solidFill>
+              </a:rPr>
+              <a:t>2</a:t>
+            </a:r>
+            <a:endParaRPr b="1" sz="800">
+              <a:solidFill>
+                <a:schemeClr val="dk1"/>
+              </a:solidFill>
+            </a:endParaRPr>
+          </a:p>
+        </p:txBody>
+      </p:sp>
+      <p:sp>
+        <p:nvSpPr>
+          <p:cNvPr id="198" name="Google Shape;198;p20"/>
+          <p:cNvSpPr/>
+          <p:nvPr/>
+        </p:nvSpPr>
+        <p:spPr>
+          <a:xfrm>
+            <a:off x="8141125" y="4363609"/>
+            <a:ext cx="506400" cy="302100"/>
+          </a:xfrm>
+          <a:prstGeom prst="rect">
+            <a:avLst/>
+          </a:prstGeom>
+          <a:noFill/>
+          <a:ln cap="flat" cmpd="sng" w="19050">
+            <a:solidFill>
+              <a:schemeClr val="dk1"/>
+            </a:solidFill>
+            <a:prstDash val="solid"/>
+            <a:round/>
+            <a:headEnd len="sm" w="sm" type="none"/>
+            <a:tailEnd len="sm" w="sm" type="none"/>
+          </a:ln>
+        </p:spPr>
+        <p:txBody>
+          <a:bodyPr anchorCtr="0" anchor="ctr" bIns="91425" lIns="91425" spcFirstLastPara="1" rIns="91425" wrap="square" tIns="91425">
+            <a:noAutofit/>
+          </a:bodyPr>
+          <a:lstStyle/>
+          <a:p>
+            <a:pPr indent="0" lvl="0" marL="0" rtl="0" algn="ctr">
+              <a:spcBef>
+                <a:spcPts val="0"/>
+              </a:spcBef>
+              <a:spcAft>
+                <a:spcPts val="0"/>
+              </a:spcAft>
+              <a:buNone/>
+            </a:pPr>
+            <a:r>
+              <a:rPr b="1" lang="ko" sz="800">
+                <a:solidFill>
+                  <a:schemeClr val="dk1"/>
+                </a:solidFill>
+              </a:rPr>
+              <a:t>1</a:t>
+            </a:r>
+            <a:endParaRPr b="1" sz="800">
+              <a:solidFill>
+                <a:schemeClr val="dk1"/>
+              </a:solidFill>
+            </a:endParaRPr>
+          </a:p>
+        </p:txBody>
+      </p:sp>
+      <p:cxnSp>
+        <p:nvCxnSpPr>
+          <p:cNvPr id="199" name="Google Shape;199;p20"/>
+          <p:cNvCxnSpPr/>
+          <p:nvPr/>
+        </p:nvCxnSpPr>
+        <p:spPr>
+          <a:xfrm>
+            <a:off x="7531825" y="4364779"/>
+            <a:ext cx="604200" cy="0"/>
+          </a:xfrm>
+          <a:prstGeom prst="straightConnector1">
+            <a:avLst/>
+          </a:prstGeom>
+          <a:noFill/>
+          <a:ln cap="flat" cmpd="sng" w="19050">
+            <a:solidFill>
+              <a:schemeClr val="dk1"/>
+            </a:solidFill>
+            <a:prstDash val="solid"/>
+            <a:round/>
+            <a:headEnd len="med" w="med" type="none"/>
+            <a:tailEnd len="med" w="med" type="triangle"/>
+          </a:ln>
+        </p:spPr>
+      </p:cxnSp>
+      <p:sp>
+        <p:nvSpPr>
+          <p:cNvPr id="200" name="Google Shape;200;p20"/>
+          <p:cNvSpPr txBox="1"/>
+          <p:nvPr/>
+        </p:nvSpPr>
+        <p:spPr>
+          <a:xfrm>
+            <a:off x="7525345" y="4093671"/>
+            <a:ext cx="599700" cy="307800"/>
+          </a:xfrm>
+          <a:prstGeom prst="rect">
+            <a:avLst/>
+          </a:prstGeom>
+          <a:noFill/>
+          <a:ln>
+            <a:noFill/>
+          </a:ln>
+        </p:spPr>
+        <p:txBody>
+          <a:bodyPr anchorCtr="0" anchor="t" bIns="91425" lIns="91425" spcFirstLastPara="1" rIns="91425" wrap="square" tIns="91425">
+            <a:spAutoFit/>
+          </a:bodyPr>
+          <a:lstStyle/>
+          <a:p>
+            <a:pPr indent="0" lvl="0" marL="0" rtl="0" algn="l">
+              <a:spcBef>
+                <a:spcPts val="0"/>
+              </a:spcBef>
+              <a:spcAft>
+                <a:spcPts val="0"/>
+              </a:spcAft>
+              <a:buNone/>
+            </a:pPr>
+            <a:r>
+              <a:rPr b="1" lang="ko" sz="800">
+                <a:solidFill>
+                  <a:schemeClr val="dk1"/>
+                </a:solidFill>
+                <a:latin typeface="Malgun Gothic"/>
+                <a:ea typeface="Malgun Gothic"/>
+                <a:cs typeface="Malgun Gothic"/>
+                <a:sym typeface="Malgun Gothic"/>
+              </a:rPr>
+              <a:t>되돌리기</a:t>
+            </a:r>
+            <a:endParaRPr b="1" sz="800">
+              <a:solidFill>
+                <a:schemeClr val="dk1"/>
+              </a:solidFill>
+              <a:latin typeface="Malgun Gothic"/>
+              <a:ea typeface="Malgun Gothic"/>
+              <a:cs typeface="Malgun Gothic"/>
+              <a:sym typeface="Malgun Gothic"/>
+            </a:endParaRPr>
+          </a:p>
+        </p:txBody>
+      </p:sp>
+      <p:sp>
+        <p:nvSpPr>
+          <p:cNvPr id="201" name="Google Shape;201;p20"/>
           <p:cNvSpPr txBox="1"/>
           <p:nvPr/>
         </p:nvSpPr>
@@ -14314,60 +14708,13 @@
       </p:sp>
       <p:sp>
         <p:nvSpPr>
-          <p:cNvPr id="197" name="Google Shape;197;p20"/>
-          <p:cNvSpPr/>
-          <p:nvPr/>
-        </p:nvSpPr>
-        <p:spPr>
-          <a:xfrm>
-            <a:off x="238725" y="1032372"/>
-            <a:ext cx="4562700" cy="1477800"/>
-          </a:xfrm>
-          <a:prstGeom prst="rect">
-            <a:avLst/>
-          </a:prstGeom>
-          <a:noFill/>
-          <a:ln cap="flat" cmpd="sng" w="19050">
-            <a:solidFill>
-              <a:schemeClr val="dk1"/>
-            </a:solidFill>
-            <a:prstDash val="solid"/>
-            <a:round/>
-            <a:headEnd len="sm" w="sm" type="none"/>
-            <a:tailEnd len="sm" w="sm" type="none"/>
-          </a:ln>
-        </p:spPr>
-        <p:txBody>
-          <a:bodyPr anchorCtr="0" anchor="ctr" bIns="91425" lIns="91425" spcFirstLastPara="1" rIns="91425" wrap="square" tIns="91425">
-            <a:noAutofit/>
-          </a:bodyPr>
-          <a:lstStyle/>
-          <a:p>
-            <a:pPr indent="0" lvl="0" marL="0" rtl="0" algn="l">
-              <a:spcBef>
-                <a:spcPts val="0"/>
-              </a:spcBef>
-              <a:spcAft>
-                <a:spcPts val="0"/>
-              </a:spcAft>
-              <a:buNone/>
-            </a:pPr>
-            <a:r>
-              <a:t/>
-            </a:r>
-            <a:endParaRPr/>
-          </a:p>
-        </p:txBody>
-      </p:sp>
-      <p:sp>
-        <p:nvSpPr>
-          <p:cNvPr id="198" name="Google Shape;198;p20"/>
+          <p:cNvPr id="202" name="Google Shape;202;p20"/>
           <p:cNvSpPr txBox="1"/>
           <p:nvPr/>
         </p:nvSpPr>
         <p:spPr>
           <a:xfrm rot="-478">
-            <a:off x="143041" y="768162"/>
+            <a:off x="3862403" y="708987"/>
             <a:ext cx="2155500" cy="323100"/>
           </a:xfrm>
           <a:prstGeom prst="rect">
@@ -14430,7 +14777,7 @@
   <p:cSld>
     <p:spTree>
       <p:nvGrpSpPr>
-        <p:cNvPr id="202" name="Shape 202"/>
+        <p:cNvPr id="206" name="Shape 206"/>
         <p:cNvGrpSpPr/>
         <p:nvPr/>
       </p:nvGrpSpPr>
@@ -14444,7 +14791,7 @@
       </p:grpSpPr>
       <p:sp>
         <p:nvSpPr>
-          <p:cNvPr id="203" name="Google Shape;203;p21"/>
+          <p:cNvPr id="207" name="Google Shape;207;p21"/>
           <p:cNvSpPr txBox="1"/>
           <p:nvPr/>
         </p:nvSpPr>
@@ -14502,7 +14849,7 @@
       </p:sp>
       <p:sp>
         <p:nvSpPr>
-          <p:cNvPr id="204" name="Google Shape;204;p21"/>
+          <p:cNvPr id="208" name="Google Shape;208;p21"/>
           <p:cNvSpPr txBox="1"/>
           <p:nvPr/>
         </p:nvSpPr>
@@ -14560,7 +14907,7 @@
       </p:sp>
       <p:pic>
         <p:nvPicPr>
-          <p:cNvPr id="205" name="Google Shape;205;p21"/>
+          <p:cNvPr id="209" name="Google Shape;209;p21"/>
           <p:cNvPicPr preferRelativeResize="0"/>
           <p:nvPr/>
         </p:nvPicPr>
@@ -14594,7 +14941,7 @@
       </p:pic>
       <p:pic>
         <p:nvPicPr>
-          <p:cNvPr id="206" name="Google Shape;206;p21"/>
+          <p:cNvPr id="210" name="Google Shape;210;p21"/>
           <p:cNvPicPr preferRelativeResize="0"/>
           <p:nvPr/>
         </p:nvPicPr>
@@ -14628,7 +14975,7 @@
       </p:pic>
       <p:pic>
         <p:nvPicPr>
-          <p:cNvPr id="207" name="Google Shape;207;p21"/>
+          <p:cNvPr id="211" name="Google Shape;211;p21"/>
           <p:cNvPicPr preferRelativeResize="0"/>
           <p:nvPr/>
         </p:nvPicPr>
@@ -14661,7 +15008,7 @@
       </p:pic>
       <p:sp>
         <p:nvSpPr>
-          <p:cNvPr id="208" name="Google Shape;208;p21"/>
+          <p:cNvPr id="212" name="Google Shape;212;p21"/>
           <p:cNvSpPr txBox="1"/>
           <p:nvPr/>
         </p:nvSpPr>
@@ -14719,7 +15066,7 @@
       </p:sp>
       <p:sp>
         <p:nvSpPr>
-          <p:cNvPr id="209" name="Google Shape;209;p21"/>
+          <p:cNvPr id="213" name="Google Shape;213;p21"/>
           <p:cNvSpPr/>
           <p:nvPr/>
         </p:nvSpPr>
@@ -14766,7 +15113,7 @@
       </p:sp>
       <p:cxnSp>
         <p:nvCxnSpPr>
-          <p:cNvPr id="210" name="Google Shape;210;p21"/>
+          <p:cNvPr id="214" name="Google Shape;214;p21"/>
           <p:cNvCxnSpPr/>
           <p:nvPr/>
         </p:nvCxnSpPr>
@@ -14792,7 +15139,7 @@
       </p:cxnSp>
       <p:sp>
         <p:nvSpPr>
-          <p:cNvPr id="211" name="Google Shape;211;p21"/>
+          <p:cNvPr id="215" name="Google Shape;215;p21"/>
           <p:cNvSpPr/>
           <p:nvPr/>
         </p:nvSpPr>
@@ -14839,7 +15186,7 @@
       </p:sp>
       <p:sp>
         <p:nvSpPr>
-          <p:cNvPr id="212" name="Google Shape;212;p21"/>
+          <p:cNvPr id="216" name="Google Shape;216;p21"/>
           <p:cNvSpPr txBox="1"/>
           <p:nvPr/>
         </p:nvSpPr>
@@ -14903,9 +15250,9 @@
       </p:sp>
       <p:cxnSp>
         <p:nvCxnSpPr>
-          <p:cNvPr id="213" name="Google Shape;213;p21"/>
+          <p:cNvPr id="217" name="Google Shape;217;p21"/>
           <p:cNvCxnSpPr>
-            <a:stCxn id="212" idx="2"/>
+            <a:stCxn id="216" idx="2"/>
           </p:cNvCxnSpPr>
           <p:nvPr/>
         </p:nvCxnSpPr>
@@ -14931,7 +15278,7 @@
       </p:cxnSp>
       <p:sp>
         <p:nvSpPr>
-          <p:cNvPr id="214" name="Google Shape;214;p21"/>
+          <p:cNvPr id="218" name="Google Shape;218;p21"/>
           <p:cNvSpPr txBox="1"/>
           <p:nvPr/>
         </p:nvSpPr>
@@ -14995,7 +15342,7 @@
       </p:sp>
       <p:sp>
         <p:nvSpPr>
-          <p:cNvPr id="215" name="Google Shape;215;p21"/>
+          <p:cNvPr id="219" name="Google Shape;219;p21"/>
           <p:cNvSpPr/>
           <p:nvPr/>
         </p:nvSpPr>
@@ -15042,9 +15389,9 @@
       </p:sp>
       <p:cxnSp>
         <p:nvCxnSpPr>
-          <p:cNvPr id="216" name="Google Shape;216;p21"/>
+          <p:cNvPr id="220" name="Google Shape;220;p21"/>
           <p:cNvCxnSpPr>
-            <a:stCxn id="215" idx="3"/>
+            <a:stCxn id="219" idx="3"/>
           </p:cNvCxnSpPr>
           <p:nvPr/>
         </p:nvCxnSpPr>
@@ -15070,14 +15417,14 @@
       </p:cxnSp>
       <p:sp>
         <p:nvSpPr>
-          <p:cNvPr id="217" name="Google Shape;217;p21"/>
+          <p:cNvPr id="221" name="Google Shape;221;p21"/>
           <p:cNvSpPr txBox="1"/>
           <p:nvPr/>
         </p:nvSpPr>
         <p:spPr>
           <a:xfrm>
             <a:off x="5755475" y="520850"/>
-            <a:ext cx="3279900" cy="2285700"/>
+            <a:ext cx="3279900" cy="2185800"/>
           </a:xfrm>
           <a:prstGeom prst="rect">
             <a:avLst/>
@@ -15109,7 +15456,7 @@
               <a:buNone/>
             </a:pPr>
             <a:r>
-              <a:rPr b="1" lang="ko" sz="1050">
+              <a:rPr b="1" lang="ko" sz="1000">
                 <a:solidFill>
                   <a:schemeClr val="dk1"/>
                 </a:solidFill>
@@ -15120,7 +15467,7 @@
               </a:rPr>
               <a:t>게임 이펙트를 위해 파티클 구현</a:t>
             </a:r>
-            <a:endParaRPr b="1" sz="1050">
+            <a:endParaRPr b="1" sz="1000">
               <a:solidFill>
                 <a:schemeClr val="dk1"/>
               </a:solidFill>
@@ -15141,7 +15488,7 @@
               <a:buNone/>
             </a:pPr>
             <a:r>
-              <a:rPr b="1" lang="ko" sz="1050">
+              <a:rPr b="1" lang="ko" sz="1000">
                 <a:solidFill>
                   <a:schemeClr val="dk1"/>
                 </a:solidFill>
@@ -15152,7 +15499,7 @@
               </a:rPr>
               <a:t>최적화를 위해 Instancing 사용</a:t>
             </a:r>
-            <a:endParaRPr b="1" sz="1050">
+            <a:endParaRPr b="1" sz="1000">
               <a:solidFill>
                 <a:schemeClr val="dk1"/>
               </a:solidFill>
@@ -15175,7 +15522,7 @@
             <a:r>
               <a:t/>
             </a:r>
-            <a:endParaRPr b="1" sz="1050">
+            <a:endParaRPr b="1" sz="1000">
               <a:solidFill>
                 <a:schemeClr val="dk1"/>
               </a:solidFill>
@@ -15196,7 +15543,7 @@
               <a:buNone/>
             </a:pPr>
             <a:r>
-              <a:rPr b="1" lang="ko" sz="1050">
+              <a:rPr b="1" lang="ko" sz="1000">
                 <a:solidFill>
                   <a:schemeClr val="dk1"/>
                 </a:solidFill>
@@ -15207,7 +15554,7 @@
               </a:rPr>
               <a:t>사용할 이미지, 개수, 지속시간, 색상, 방향, 가속도, </a:t>
             </a:r>
-            <a:endParaRPr b="1" sz="1050">
+            <a:endParaRPr b="1" sz="1000">
               <a:solidFill>
                 <a:schemeClr val="dk1"/>
               </a:solidFill>
@@ -15228,7 +15575,7 @@
               <a:buNone/>
             </a:pPr>
             <a:r>
-              <a:rPr b="1" lang="ko" sz="1050">
+              <a:rPr b="1" lang="ko" sz="1000">
                 <a:solidFill>
                   <a:schemeClr val="dk1"/>
                 </a:solidFill>
@@ -15239,7 +15586,7 @@
               </a:rPr>
               <a:t>회전, 속도, 생성타이밍, 크기, 지정 변경 등 구현</a:t>
             </a:r>
-            <a:endParaRPr b="1" sz="1050">
+            <a:endParaRPr b="1" sz="1000">
               <a:solidFill>
                 <a:schemeClr val="dk1"/>
               </a:solidFill>
@@ -15262,7 +15609,7 @@
             <a:r>
               <a:t/>
             </a:r>
-            <a:endParaRPr b="1" sz="1050">
+            <a:endParaRPr b="1" sz="1000">
               <a:solidFill>
                 <a:schemeClr val="dk1"/>
               </a:solidFill>
@@ -15283,7 +15630,7 @@
               <a:buNone/>
             </a:pPr>
             <a:r>
-              <a:rPr b="1" lang="ko" sz="1050">
+              <a:rPr b="1" lang="ko" sz="1000">
                 <a:solidFill>
                   <a:schemeClr val="dk1"/>
                 </a:solidFill>
@@ -15294,7 +15641,7 @@
               </a:rPr>
               <a:t>파티클의 색상, 크기 지정 변경등은 자연스러움을 </a:t>
             </a:r>
-            <a:endParaRPr b="1" sz="1050">
+            <a:endParaRPr b="1" sz="1000">
               <a:solidFill>
                 <a:schemeClr val="dk1"/>
               </a:solidFill>
@@ -15315,7 +15662,7 @@
               <a:buNone/>
             </a:pPr>
             <a:r>
-              <a:rPr b="1" lang="ko" sz="1050">
+              <a:rPr b="1" lang="ko" sz="1000">
                 <a:solidFill>
                   <a:schemeClr val="dk1"/>
                 </a:solidFill>
@@ -15326,7 +15673,7 @@
               </a:rPr>
               <a:t>연출하기위해 선형보간을 이용</a:t>
             </a:r>
-            <a:endParaRPr b="1" sz="1050">
+            <a:endParaRPr b="1" sz="1000">
               <a:solidFill>
                 <a:schemeClr val="dk1"/>
               </a:solidFill>
@@ -15349,7 +15696,7 @@
             <a:r>
               <a:t/>
             </a:r>
-            <a:endParaRPr b="1" sz="1050">
+            <a:endParaRPr b="1" sz="1000">
               <a:solidFill>
                 <a:schemeClr val="dk1"/>
               </a:solidFill>
@@ -15370,7 +15717,7 @@
               <a:buNone/>
             </a:pPr>
             <a:r>
-              <a:rPr b="1" lang="ko" sz="1050">
+              <a:rPr b="1" lang="ko" sz="1000">
                 <a:solidFill>
                   <a:schemeClr val="dk1"/>
                 </a:solidFill>
@@ -15381,7 +15728,7 @@
               </a:rPr>
               <a:t>맵에디터와 동일하게 Binary데이터로 </a:t>
             </a:r>
-            <a:endParaRPr b="1" sz="1050">
+            <a:endParaRPr b="1" sz="1000">
               <a:solidFill>
                 <a:schemeClr val="dk1"/>
               </a:solidFill>
@@ -15402,7 +15749,7 @@
               <a:buNone/>
             </a:pPr>
             <a:r>
-              <a:rPr b="1" lang="ko" sz="1050">
+              <a:rPr b="1" lang="ko" sz="1000">
                 <a:solidFill>
                   <a:schemeClr val="dk1"/>
                 </a:solidFill>
@@ -15413,7 +15760,7 @@
               </a:rPr>
               <a:t>파티클에 대한 정보를 저장 및 사용</a:t>
             </a:r>
-            <a:endParaRPr b="1" sz="1050">
+            <a:endParaRPr b="1" sz="1000">
               <a:solidFill>
                 <a:schemeClr val="dk1"/>
               </a:solidFill>
@@ -15436,7 +15783,7 @@
             <a:r>
               <a:t/>
             </a:r>
-            <a:endParaRPr b="1" sz="1050">
+            <a:endParaRPr b="1" sz="1000">
               <a:solidFill>
                 <a:schemeClr val="dk1"/>
               </a:solidFill>
@@ -15457,7 +15804,7 @@
               <a:buNone/>
             </a:pPr>
             <a:r>
-              <a:rPr b="1" lang="ko" sz="1050">
+              <a:rPr b="1" lang="ko" sz="1000">
                 <a:solidFill>
                   <a:schemeClr val="dk1"/>
                 </a:solidFill>
@@ -15468,7 +15815,7 @@
               </a:rPr>
               <a:t>구현된 파티클은 Action클래스에서 호출</a:t>
             </a:r>
-            <a:endParaRPr b="1" sz="1050">
+            <a:endParaRPr b="1" sz="1000">
               <a:solidFill>
                 <a:schemeClr val="dk1"/>
               </a:solidFill>
@@ -15482,22 +15829,21 @@
       </p:sp>
       <p:pic>
         <p:nvPicPr>
-          <p:cNvPr id="218" name="Google Shape;218;p21"/>
+          <p:cNvPr id="222" name="Google Shape;222;p21"/>
           <p:cNvPicPr preferRelativeResize="0"/>
           <p:nvPr/>
         </p:nvPicPr>
-        <p:blipFill>
+        <p:blipFill rotWithShape="1">
           <a:blip r:embed="rId6">
             <a:alphaModFix/>
           </a:blip>
-          <a:stretch>
-            <a:fillRect/>
-          </a:stretch>
+          <a:srcRect b="0" l="1716" r="13314" t="28866"/>
+          <a:stretch/>
         </p:blipFill>
         <p:spPr>
           <a:xfrm>
-            <a:off x="5778100" y="3008903"/>
-            <a:ext cx="3234651" cy="1956575"/>
+            <a:off x="5778100" y="3006525"/>
+            <a:ext cx="3257275" cy="1956575"/>
           </a:xfrm>
           <a:prstGeom prst="rect">
             <a:avLst/>
@@ -15516,13 +15862,13 @@
       </p:pic>
       <p:sp>
         <p:nvSpPr>
-          <p:cNvPr id="219" name="Google Shape;219;p21"/>
+          <p:cNvPr id="223" name="Google Shape;223;p21"/>
           <p:cNvSpPr txBox="1"/>
           <p:nvPr/>
         </p:nvSpPr>
         <p:spPr>
           <a:xfrm rot="-812">
-            <a:off x="5545509" y="2749200"/>
+            <a:off x="5545509" y="2741966"/>
             <a:ext cx="1269900" cy="307800"/>
           </a:xfrm>
           <a:prstGeom prst="rect">
@@ -15558,7 +15904,7 @@
                 <a:cs typeface="Malgun Gothic"/>
                 <a:sym typeface="Malgun Gothic"/>
               </a:rPr>
-              <a:t>Particle클래스</a:t>
+              <a:t>Particle실행 함수</a:t>
             </a:r>
             <a:endParaRPr b="1" sz="800">
               <a:solidFill>
